--- a/User Centred Design/User Centered Design.pptx
+++ b/User Centred Design/User Centered Design.pptx
@@ -352,7 +352,9 @@
           </a:ln>
         </p:spPr>
         <p:txBody>
-          <a:bodyPr anchorCtr="0" anchor="t" bIns="91425" lIns="91425" spcFirstLastPara="1" rIns="91425" wrap="square" tIns="91425"/>
+          <a:bodyPr anchorCtr="0" anchor="t" bIns="91425" lIns="91425" spcFirstLastPara="1" rIns="91425" wrap="square" tIns="91425">
+            <a:noAutofit/>
+          </a:bodyPr>
           <a:lstStyle>
             <a:lvl1pPr indent="-298450" lvl="0" marL="457200">
               <a:spcBef>
@@ -1618,7 +1620,9 @@
           </a:prstGeom>
         </p:spPr>
         <p:txBody>
-          <a:bodyPr anchorCtr="0" anchor="b" bIns="91425" lIns="91425" spcFirstLastPara="1" rIns="91425" wrap="square" tIns="91425"/>
+          <a:bodyPr anchorCtr="0" anchor="b" bIns="91425" lIns="91425" spcFirstLastPara="1" rIns="91425" wrap="square" tIns="91425">
+            <a:noAutofit/>
+          </a:bodyPr>
           <a:lstStyle>
             <a:lvl1pPr lvl="0" algn="ctr">
               <a:spcBef>
@@ -1741,7 +1745,9 @@
           </a:prstGeom>
         </p:spPr>
         <p:txBody>
-          <a:bodyPr anchorCtr="0" anchor="t" bIns="91425" lIns="91425" spcFirstLastPara="1" rIns="91425" wrap="square" tIns="91425"/>
+          <a:bodyPr anchorCtr="0" anchor="t" bIns="91425" lIns="91425" spcFirstLastPara="1" rIns="91425" wrap="square" tIns="91425">
+            <a:noAutofit/>
+          </a:bodyPr>
           <a:lstStyle>
             <a:lvl1pPr lvl="0" algn="ctr">
               <a:lnSpc>
@@ -1993,7 +1999,9 @@
           </a:prstGeom>
         </p:spPr>
         <p:txBody>
-          <a:bodyPr anchorCtr="0" anchor="b" bIns="91425" lIns="91425" spcFirstLastPara="1" rIns="91425" wrap="square" tIns="91425"/>
+          <a:bodyPr anchorCtr="0" anchor="b" bIns="91425" lIns="91425" spcFirstLastPara="1" rIns="91425" wrap="square" tIns="91425">
+            <a:noAutofit/>
+          </a:bodyPr>
           <a:lstStyle>
             <a:lvl1pPr lvl="0" algn="ctr">
               <a:spcBef>
@@ -2120,7 +2128,9 @@
           </a:prstGeom>
         </p:spPr>
         <p:txBody>
-          <a:bodyPr anchorCtr="0" anchor="t" bIns="91425" lIns="91425" spcFirstLastPara="1" rIns="91425" wrap="square" tIns="91425"/>
+          <a:bodyPr anchorCtr="0" anchor="t" bIns="91425" lIns="91425" spcFirstLastPara="1" rIns="91425" wrap="square" tIns="91425">
+            <a:noAutofit/>
+          </a:bodyPr>
           <a:lstStyle>
             <a:lvl1pPr indent="-342900" lvl="0" marL="457200" algn="ctr">
               <a:spcBef>
@@ -2447,7 +2457,9 @@
           </a:prstGeom>
         </p:spPr>
         <p:txBody>
-          <a:bodyPr anchorCtr="0" anchor="ctr" bIns="91425" lIns="91425" spcFirstLastPara="1" rIns="91425" wrap="square" tIns="91425"/>
+          <a:bodyPr anchorCtr="0" anchor="ctr" bIns="91425" lIns="91425" spcFirstLastPara="1" rIns="91425" wrap="square" tIns="91425">
+            <a:noAutofit/>
+          </a:bodyPr>
           <a:lstStyle>
             <a:lvl1pPr lvl="0" algn="ctr">
               <a:spcBef>
@@ -2672,7 +2684,9 @@
           </a:prstGeom>
         </p:spPr>
         <p:txBody>
-          <a:bodyPr anchorCtr="0" anchor="t" bIns="91425" lIns="91425" spcFirstLastPara="1" rIns="91425" wrap="square" tIns="91425"/>
+          <a:bodyPr anchorCtr="0" anchor="t" bIns="91425" lIns="91425" spcFirstLastPara="1" rIns="91425" wrap="square" tIns="91425">
+            <a:noAutofit/>
+          </a:bodyPr>
           <a:lstStyle>
             <a:lvl1pPr lvl="0">
               <a:spcBef>
@@ -2795,7 +2809,9 @@
           </a:prstGeom>
         </p:spPr>
         <p:txBody>
-          <a:bodyPr anchorCtr="0" anchor="t" bIns="91425" lIns="91425" spcFirstLastPara="1" rIns="91425" wrap="square" tIns="91425"/>
+          <a:bodyPr anchorCtr="0" anchor="t" bIns="91425" lIns="91425" spcFirstLastPara="1" rIns="91425" wrap="square" tIns="91425">
+            <a:noAutofit/>
+          </a:bodyPr>
           <a:lstStyle>
             <a:lvl1pPr indent="-342900" lvl="0" marL="457200">
               <a:spcBef>
@@ -3020,7 +3036,9 @@
           </a:prstGeom>
         </p:spPr>
         <p:txBody>
-          <a:bodyPr anchorCtr="0" anchor="t" bIns="91425" lIns="91425" spcFirstLastPara="1" rIns="91425" wrap="square" tIns="91425"/>
+          <a:bodyPr anchorCtr="0" anchor="t" bIns="91425" lIns="91425" spcFirstLastPara="1" rIns="91425" wrap="square" tIns="91425">
+            <a:noAutofit/>
+          </a:bodyPr>
           <a:lstStyle>
             <a:lvl1pPr lvl="0">
               <a:spcBef>
@@ -3143,7 +3161,9 @@
           </a:prstGeom>
         </p:spPr>
         <p:txBody>
-          <a:bodyPr anchorCtr="0" anchor="t" bIns="91425" lIns="91425" spcFirstLastPara="1" rIns="91425" wrap="square" tIns="91425"/>
+          <a:bodyPr anchorCtr="0" anchor="t" bIns="91425" lIns="91425" spcFirstLastPara="1" rIns="91425" wrap="square" tIns="91425">
+            <a:noAutofit/>
+          </a:bodyPr>
           <a:lstStyle>
             <a:lvl1pPr indent="-317500" lvl="0" marL="457200">
               <a:spcBef>
@@ -3266,7 +3286,9 @@
           </a:prstGeom>
         </p:spPr>
         <p:txBody>
-          <a:bodyPr anchorCtr="0" anchor="t" bIns="91425" lIns="91425" spcFirstLastPara="1" rIns="91425" wrap="square" tIns="91425"/>
+          <a:bodyPr anchorCtr="0" anchor="t" bIns="91425" lIns="91425" spcFirstLastPara="1" rIns="91425" wrap="square" tIns="91425">
+            <a:noAutofit/>
+          </a:bodyPr>
           <a:lstStyle>
             <a:lvl1pPr indent="-317500" lvl="0" marL="457200">
               <a:spcBef>
@@ -3491,7 +3513,9 @@
           </a:prstGeom>
         </p:spPr>
         <p:txBody>
-          <a:bodyPr anchorCtr="0" anchor="t" bIns="91425" lIns="91425" spcFirstLastPara="1" rIns="91425" wrap="square" tIns="91425"/>
+          <a:bodyPr anchorCtr="0" anchor="t" bIns="91425" lIns="91425" spcFirstLastPara="1" rIns="91425" wrap="square" tIns="91425">
+            <a:noAutofit/>
+          </a:bodyPr>
           <a:lstStyle>
             <a:lvl1pPr lvl="0">
               <a:spcBef>
@@ -3716,7 +3740,9 @@
           </a:prstGeom>
         </p:spPr>
         <p:txBody>
-          <a:bodyPr anchorCtr="0" anchor="b" bIns="91425" lIns="91425" spcFirstLastPara="1" rIns="91425" wrap="square" tIns="91425"/>
+          <a:bodyPr anchorCtr="0" anchor="b" bIns="91425" lIns="91425" spcFirstLastPara="1" rIns="91425" wrap="square" tIns="91425">
+            <a:noAutofit/>
+          </a:bodyPr>
           <a:lstStyle>
             <a:lvl1pPr lvl="0">
               <a:spcBef>
@@ -3839,7 +3865,9 @@
           </a:prstGeom>
         </p:spPr>
         <p:txBody>
-          <a:bodyPr anchorCtr="0" anchor="t" bIns="91425" lIns="91425" spcFirstLastPara="1" rIns="91425" wrap="square" tIns="91425"/>
+          <a:bodyPr anchorCtr="0" anchor="t" bIns="91425" lIns="91425" spcFirstLastPara="1" rIns="91425" wrap="square" tIns="91425">
+            <a:noAutofit/>
+          </a:bodyPr>
           <a:lstStyle>
             <a:lvl1pPr indent="-304800" lvl="0" marL="457200">
               <a:spcBef>
@@ -4064,7 +4092,9 @@
           </a:prstGeom>
         </p:spPr>
         <p:txBody>
-          <a:bodyPr anchorCtr="0" anchor="ctr" bIns="91425" lIns="91425" spcFirstLastPara="1" rIns="91425" wrap="square" tIns="91425"/>
+          <a:bodyPr anchorCtr="0" anchor="ctr" bIns="91425" lIns="91425" spcFirstLastPara="1" rIns="91425" wrap="square" tIns="91425">
+            <a:noAutofit/>
+          </a:bodyPr>
           <a:lstStyle>
             <a:lvl1pPr lvl="0">
               <a:spcBef>
@@ -4332,7 +4362,9 @@
           </a:prstGeom>
         </p:spPr>
         <p:txBody>
-          <a:bodyPr anchorCtr="0" anchor="b" bIns="91425" lIns="91425" spcFirstLastPara="1" rIns="91425" wrap="square" tIns="91425"/>
+          <a:bodyPr anchorCtr="0" anchor="b" bIns="91425" lIns="91425" spcFirstLastPara="1" rIns="91425" wrap="square" tIns="91425">
+            <a:noAutofit/>
+          </a:bodyPr>
           <a:lstStyle>
             <a:lvl1pPr lvl="0" algn="ctr">
               <a:spcBef>
@@ -4455,7 +4487,9 @@
           </a:prstGeom>
         </p:spPr>
         <p:txBody>
-          <a:bodyPr anchorCtr="0" anchor="t" bIns="91425" lIns="91425" spcFirstLastPara="1" rIns="91425" wrap="square" tIns="91425"/>
+          <a:bodyPr anchorCtr="0" anchor="t" bIns="91425" lIns="91425" spcFirstLastPara="1" rIns="91425" wrap="square" tIns="91425">
+            <a:noAutofit/>
+          </a:bodyPr>
           <a:lstStyle>
             <a:lvl1pPr lvl="0" algn="ctr">
               <a:lnSpc>
@@ -4605,7 +4639,9 @@
           </a:prstGeom>
         </p:spPr>
         <p:txBody>
-          <a:bodyPr anchorCtr="0" anchor="ctr" bIns="91425" lIns="91425" spcFirstLastPara="1" rIns="91425" wrap="square" tIns="91425"/>
+          <a:bodyPr anchorCtr="0" anchor="ctr" bIns="91425" lIns="91425" spcFirstLastPara="1" rIns="91425" wrap="square" tIns="91425">
+            <a:noAutofit/>
+          </a:bodyPr>
           <a:lstStyle>
             <a:lvl1pPr indent="-342900" lvl="0" marL="457200">
               <a:spcBef>
@@ -4830,7 +4866,9 @@
           </a:prstGeom>
         </p:spPr>
         <p:txBody>
-          <a:bodyPr anchorCtr="0" anchor="ctr" bIns="91425" lIns="91425" spcFirstLastPara="1" rIns="91425" wrap="square" tIns="91425"/>
+          <a:bodyPr anchorCtr="0" anchor="ctr" bIns="91425" lIns="91425" spcFirstLastPara="1" rIns="91425" wrap="square" tIns="91425">
+            <a:noAutofit/>
+          </a:bodyPr>
           <a:lstStyle>
             <a:lvl1pPr indent="-228600" lvl="0" marL="457200">
               <a:lnSpc>
@@ -4981,7 +5019,9 @@
           </a:ln>
         </p:spPr>
         <p:txBody>
-          <a:bodyPr anchorCtr="0" anchor="t" bIns="91425" lIns="91425" spcFirstLastPara="1" rIns="91425" wrap="square" tIns="91425"/>
+          <a:bodyPr anchorCtr="0" anchor="t" bIns="91425" lIns="91425" spcFirstLastPara="1" rIns="91425" wrap="square" tIns="91425">
+            <a:noAutofit/>
+          </a:bodyPr>
           <a:lstStyle>
             <a:lvl1pPr lvl="0">
               <a:spcBef>
@@ -5171,7 +5211,9 @@
           </a:ln>
         </p:spPr>
         <p:txBody>
-          <a:bodyPr anchorCtr="0" anchor="t" bIns="91425" lIns="91425" spcFirstLastPara="1" rIns="91425" wrap="square" tIns="91425"/>
+          <a:bodyPr anchorCtr="0" anchor="t" bIns="91425" lIns="91425" spcFirstLastPara="1" rIns="91425" wrap="square" tIns="91425">
+            <a:noAutofit/>
+          </a:bodyPr>
           <a:lstStyle>
             <a:lvl1pPr indent="-342900" lvl="0" marL="457200">
               <a:lnSpc>
@@ -6299,50 +6341,7 @@
             </a:r>
             <a:r>
               <a:rPr lang="en" sz="1400"/>
-              <a:t> is to elaborate all the methodologies applied during user centered design on real life projects. </a:t>
-            </a:r>
-            <a:endParaRPr sz="1400"/>
-          </a:p>
-          <a:p>
-            <a:pPr indent="0" lvl="0" marL="0" rtl="0" algn="l">
-              <a:spcBef>
-                <a:spcPts val="0"/>
-              </a:spcBef>
-              <a:spcAft>
-                <a:spcPts val="0"/>
-              </a:spcAft>
-              <a:buNone/>
-            </a:pPr>
-            <a:r>
-              <a:t/>
-            </a:r>
-            <a:endParaRPr sz="1400"/>
-          </a:p>
-          <a:p>
-            <a:pPr indent="0" lvl="0" marL="0" rtl="0" algn="l">
-              <a:spcBef>
-                <a:spcPts val="0"/>
-              </a:spcBef>
-              <a:spcAft>
-                <a:spcPts val="0"/>
-              </a:spcAft>
-              <a:buNone/>
-            </a:pPr>
-            <a:r>
-              <a:rPr lang="en" sz="1400"/>
-              <a:t>Subsequently in the following slides, highlight specific methodology applied during specific real life client projects in </a:t>
-            </a:r>
-            <a:r>
-              <a:rPr lang="en" sz="1400">
-                <a:solidFill>
-                  <a:srgbClr val="274E13"/>
-                </a:solidFill>
-              </a:rPr>
-              <a:t>green </a:t>
-            </a:r>
-            <a:r>
-              <a:rPr lang="en" sz="1400"/>
-              <a:t>that includes: </a:t>
+              <a:t> is to elaborate methodologies and tools to develop a good understanding of users needs while working through an iterative design process on the following client assignments:</a:t>
             </a:r>
             <a:endParaRPr sz="1400"/>
           </a:p>
@@ -6477,6 +6476,37 @@
             <a:r>
               <a:rPr lang="en" sz="1400"/>
               <a:t>Sky</a:t>
+            </a:r>
+            <a:endParaRPr sz="1400"/>
+          </a:p>
+          <a:p>
+            <a:pPr indent="0" lvl="0" marL="0" rtl="0" algn="l">
+              <a:spcBef>
+                <a:spcPts val="0"/>
+              </a:spcBef>
+              <a:spcAft>
+                <a:spcPts val="0"/>
+              </a:spcAft>
+              <a:buNone/>
+            </a:pPr>
+            <a:r>
+              <a:t/>
+            </a:r>
+            <a:endParaRPr sz="1400"/>
+          </a:p>
+          <a:p>
+            <a:pPr indent="0" lvl="0" marL="0" rtl="0" algn="l">
+              <a:spcBef>
+                <a:spcPts val="0"/>
+              </a:spcBef>
+              <a:spcAft>
+                <a:spcPts val="0"/>
+              </a:spcAft>
+              <a:buNone/>
+            </a:pPr>
+            <a:r>
+              <a:rPr lang="en" sz="1400"/>
+              <a:t>Methodologies and tools while on specific client assignments are highlighted in green.</a:t>
             </a:r>
             <a:endParaRPr sz="1400"/>
           </a:p>
@@ -7510,10 +7540,10 @@
               <a:buNone/>
             </a:pPr>
             <a:r>
-              <a:rPr b="1" lang="en" sz="1600"/>
-              <a:t>Methodologies during User Centered design on various client projects</a:t>
-            </a:r>
-            <a:endParaRPr b="1" sz="1600"/>
+              <a:rPr b="1" lang="en"/>
+              <a:t>Methods and tools to develop an understanding of user’s needs during iterative design process</a:t>
+            </a:r>
+            <a:endParaRPr b="1"/>
           </a:p>
         </p:txBody>
       </p:sp>
@@ -8646,10 +8676,10 @@
               <a:buNone/>
             </a:pPr>
             <a:r>
-              <a:rPr b="1" lang="en" sz="1600"/>
+              <a:rPr b="1" lang="en"/>
               <a:t>Students Loan Company, Department of Education</a:t>
             </a:r>
-            <a:endParaRPr b="1" sz="1600"/>
+            <a:endParaRPr b="1"/>
           </a:p>
         </p:txBody>
       </p:sp>
@@ -9706,10 +9736,10 @@
               <a:buNone/>
             </a:pPr>
             <a:r>
-              <a:rPr b="1" lang="en" sz="1600"/>
+              <a:rPr b="1" lang="en"/>
               <a:t>Royal Bank Of Scotland, Retail Banking</a:t>
             </a:r>
-            <a:endParaRPr b="1" sz="1600"/>
+            <a:endParaRPr b="1"/>
           </a:p>
         </p:txBody>
       </p:sp>
@@ -10806,10 +10836,10 @@
               <a:buNone/>
             </a:pPr>
             <a:r>
-              <a:rPr b="1" lang="en" sz="1600"/>
+              <a:rPr b="1" lang="en"/>
               <a:t>Fourth</a:t>
             </a:r>
-            <a:endParaRPr b="1" sz="1600"/>
+            <a:endParaRPr b="1"/>
           </a:p>
         </p:txBody>
       </p:sp>
@@ -11902,10 +11932,10 @@
               <a:buNone/>
             </a:pPr>
             <a:r>
-              <a:rPr b="1" lang="en" sz="1600"/>
+              <a:rPr b="1" lang="en"/>
               <a:t>Monitise Plc</a:t>
             </a:r>
-            <a:endParaRPr b="1" sz="1600"/>
+            <a:endParaRPr b="1"/>
           </a:p>
         </p:txBody>
       </p:sp>
@@ -12935,10 +12965,10 @@
               <a:buNone/>
             </a:pPr>
             <a:r>
-              <a:rPr b="1" lang="en" sz="1600"/>
+              <a:rPr b="1" lang="en"/>
               <a:t>Tesco Plc</a:t>
             </a:r>
-            <a:endParaRPr b="1" sz="1600"/>
+            <a:endParaRPr b="1"/>
           </a:p>
         </p:txBody>
       </p:sp>
@@ -14027,10 +14057,10 @@
               <a:buNone/>
             </a:pPr>
             <a:r>
-              <a:rPr b="1" lang="en" sz="1600"/>
+              <a:rPr b="1" lang="en"/>
               <a:t>Tesco Bank</a:t>
             </a:r>
-            <a:endParaRPr b="1" sz="1600"/>
+            <a:endParaRPr b="1"/>
           </a:p>
         </p:txBody>
       </p:sp>
@@ -15151,10 +15181,10 @@
               <a:buNone/>
             </a:pPr>
             <a:r>
-              <a:rPr b="1" lang="en" sz="1600"/>
+              <a:rPr b="1" lang="en"/>
               <a:t>Sky</a:t>
             </a:r>
-            <a:endParaRPr b="1" sz="1600"/>
+            <a:endParaRPr b="1"/>
           </a:p>
         </p:txBody>
       </p:sp>
